--- a/IoTArM0r.pptx
+++ b/IoTArM0r.pptx
@@ -31,23 +31,18 @@
       <p:boldItalic r:id="rId17"/>
     </p:embeddedFont>
     <p:embeddedFont>
-      <p:font typeface="Lexend" panose="020B0604020202020204" charset="0"/>
+      <p:font typeface="Raleway" pitchFamily="2" charset="0"/>
       <p:regular r:id="rId18"/>
       <p:bold r:id="rId19"/>
-    </p:embeddedFont>
-    <p:embeddedFont>
-      <p:font typeface="Raleway" pitchFamily="2" charset="0"/>
-      <p:regular r:id="rId20"/>
-      <p:bold r:id="rId21"/>
-      <p:italic r:id="rId22"/>
-      <p:boldItalic r:id="rId23"/>
+      <p:italic r:id="rId20"/>
+      <p:boldItalic r:id="rId21"/>
     </p:embeddedFont>
     <p:embeddedFont>
       <p:font typeface="Roboto" panose="02000000000000000000" pitchFamily="2" charset="0"/>
-      <p:regular r:id="rId24"/>
-      <p:bold r:id="rId25"/>
-      <p:italic r:id="rId26"/>
-      <p:boldItalic r:id="rId27"/>
+      <p:regular r:id="rId22"/>
+      <p:bold r:id="rId23"/>
+      <p:italic r:id="rId24"/>
+      <p:boldItalic r:id="rId25"/>
     </p:embeddedFont>
   </p:embeddedFontLst>
   <p:defaultTextStyle>
@@ -6778,7 +6773,7 @@
         </p:nvSpPr>
         <p:spPr>
           <a:xfrm>
-            <a:off x="314700" y="2032907"/>
+            <a:off x="548525" y="3494314"/>
             <a:ext cx="8046950" cy="1477297"/>
           </a:xfrm>
           <a:prstGeom prst="rect">
@@ -6805,10 +6800,10 @@
               <a:buNone/>
             </a:pPr>
             <a:r>
-              <a:rPr lang="en" dirty="0"/>
-              <a:t>Submitted by :- </a:t>
+              <a:rPr lang="en" b="1" dirty="0"/>
+              <a:t>Submitted by </a:t>
             </a:r>
-            <a:endParaRPr dirty="0"/>
+            <a:endParaRPr b="1" dirty="0"/>
           </a:p>
           <a:p>
             <a:pPr marL="0" lvl="0" indent="0" algn="r" rtl="0">
@@ -6834,7 +6829,7 @@
             </a:pPr>
             <a:r>
               <a:rPr lang="en-US" dirty="0"/>
-              <a:t>Tejaswi Kanneganti </a:t>
+              <a:t>Tejaswi Kanneganti(U00871526) </a:t>
             </a:r>
           </a:p>
           <a:p>
@@ -6849,14 +6844,18 @@
             </a:pPr>
             <a:r>
               <a:rPr lang="en-US" dirty="0"/>
-              <a:t>Sadhvi Mandha </a:t>
+              <a:t>Sadhvi Mandha(U00873887) </a:t>
             </a:r>
           </a:p>
           <a:p>
             <a:pPr lvl="1" algn="r"/>
             <a:r>
               <a:rPr lang="en-US" dirty="0"/>
-              <a:t>Naga Venkat Allu</a:t>
+              <a:t>Naga </a:t>
+            </a:r>
+            <a:r>
+              <a:rPr lang="en-US"/>
+              <a:t>Venkat Allu(U00878572)</a:t>
             </a:r>
             <a:endParaRPr dirty="0"/>
           </a:p>
@@ -7124,7 +7123,7 @@
             </a:r>
             <a:r>
               <a:rPr lang="en-US" sz="1600" dirty="0"/>
-              <a:t>)</a:t>
+              <a:t>).</a:t>
             </a:r>
             <a:endParaRPr lang="en" sz="1600" dirty="0"/>
           </a:p>
@@ -7211,7 +7210,7 @@
         <p:spPr>
           <a:xfrm>
             <a:off x="185700" y="1595750"/>
-            <a:ext cx="8514600" cy="3200846"/>
+            <a:ext cx="8514600" cy="2954625"/>
           </a:xfrm>
           <a:prstGeom prst="rect">
             <a:avLst/>
@@ -7238,7 +7237,7 @@
               <a:buChar char="●"/>
             </a:pPr>
             <a:r>
-              <a:rPr lang="en" sz="2800" dirty="0"/>
+              <a:rPr lang="en" sz="2000" dirty="0"/>
               <a:t>Introduction</a:t>
             </a:r>
           </a:p>
@@ -7254,10 +7253,10 @@
               <a:buChar char="●"/>
             </a:pPr>
             <a:r>
-              <a:rPr lang="en" sz="2800" dirty="0"/>
+              <a:rPr lang="en" sz="2000" dirty="0"/>
               <a:t>Problem</a:t>
             </a:r>
-            <a:endParaRPr sz="2800" dirty="0"/>
+            <a:endParaRPr sz="2000" dirty="0"/>
           </a:p>
           <a:p>
             <a:pPr marL="457200" lvl="0" indent="-406400" algn="l" rtl="0">
@@ -7271,10 +7270,10 @@
               <a:buChar char="●"/>
             </a:pPr>
             <a:r>
-              <a:rPr lang="en" sz="2800" dirty="0"/>
+              <a:rPr lang="en" sz="2000" dirty="0"/>
               <a:t>Technique</a:t>
             </a:r>
-            <a:endParaRPr sz="2800" dirty="0"/>
+            <a:endParaRPr sz="2000" dirty="0"/>
           </a:p>
           <a:p>
             <a:pPr marL="457200" lvl="0" indent="-406400" algn="l" rtl="0">
@@ -7288,7 +7287,7 @@
               <a:buChar char="●"/>
             </a:pPr>
             <a:r>
-              <a:rPr lang="en" sz="2800" dirty="0"/>
+              <a:rPr lang="en" sz="2000" dirty="0"/>
               <a:t>Structural Design</a:t>
             </a:r>
           </a:p>
@@ -7304,10 +7303,9 @@
               <a:buChar char="●"/>
             </a:pPr>
             <a:r>
-              <a:rPr lang="en" sz="2800" dirty="0"/>
+              <a:rPr lang="en" sz="2000" dirty="0"/>
               <a:t>Progress</a:t>
             </a:r>
-            <a:endParaRPr sz="2800" dirty="0"/>
           </a:p>
           <a:p>
             <a:pPr marL="457200" lvl="0" indent="-406400" algn="l" rtl="0">
@@ -7321,10 +7319,9 @@
               <a:buChar char="●"/>
             </a:pPr>
             <a:r>
-              <a:rPr lang="en" sz="2800" dirty="0"/>
-              <a:t>Demonstration</a:t>
+              <a:rPr lang="en" sz="2000" dirty="0"/>
+              <a:t>Related work</a:t>
             </a:r>
-            <a:endParaRPr sz="2800" dirty="0"/>
           </a:p>
           <a:p>
             <a:pPr marL="457200" lvl="0" indent="-406400" algn="l" rtl="0">
@@ -7338,10 +7335,44 @@
               <a:buChar char="●"/>
             </a:pPr>
             <a:r>
-              <a:rPr lang="en" sz="2800" dirty="0"/>
-              <a:t>Conclusion</a:t>
+              <a:rPr lang="en" sz="2000" dirty="0"/>
+              <a:t>Contribution</a:t>
             </a:r>
-            <a:endParaRPr sz="2800" dirty="0"/>
+            <a:endParaRPr sz="2000" dirty="0"/>
+          </a:p>
+          <a:p>
+            <a:pPr marL="457200" lvl="0" indent="-406400" algn="l" rtl="0">
+              <a:spcBef>
+                <a:spcPts val="0"/>
+              </a:spcBef>
+              <a:spcAft>
+                <a:spcPts val="0"/>
+              </a:spcAft>
+              <a:buSzPts val="2800"/>
+              <a:buChar char="●"/>
+            </a:pPr>
+            <a:r>
+              <a:rPr lang="en" sz="2000" dirty="0"/>
+              <a:t>Demonstration</a:t>
+            </a:r>
+            <a:endParaRPr sz="2000" dirty="0"/>
+          </a:p>
+          <a:p>
+            <a:pPr marL="457200" lvl="0" indent="-406400" algn="l" rtl="0">
+              <a:spcBef>
+                <a:spcPts val="0"/>
+              </a:spcBef>
+              <a:spcAft>
+                <a:spcPts val="0"/>
+              </a:spcAft>
+              <a:buSzPts val="2800"/>
+              <a:buChar char="●"/>
+            </a:pPr>
+            <a:r>
+              <a:rPr lang="en" sz="2000" dirty="0"/>
+              <a:t>Feedback from proposal</a:t>
+            </a:r>
+            <a:endParaRPr sz="2000" dirty="0"/>
           </a:p>
         </p:txBody>
       </p:sp>
@@ -7458,8 +7489,8 @@
         </p:nvSpPr>
         <p:spPr>
           <a:xfrm>
-            <a:off x="173700" y="1412050"/>
-            <a:ext cx="7944900" cy="3632700"/>
+            <a:off x="173700" y="1289586"/>
+            <a:ext cx="7944900" cy="4370397"/>
           </a:xfrm>
           <a:prstGeom prst="rect">
             <a:avLst/>
@@ -7485,16 +7516,16 @@
               <a:buNone/>
             </a:pPr>
             <a:r>
-              <a:rPr lang="en" dirty="0">
-                <a:latin typeface="Lexend"/>
+              <a:rPr lang="en" sz="1600" dirty="0">
+                <a:latin typeface="+mj-lt"/>
                 <a:ea typeface="Lexend"/>
                 <a:cs typeface="Lexend"/>
                 <a:sym typeface="Lexend"/>
               </a:rPr>
               <a:t>IoTArM0r is a powerful tool designed to automate the detection of IOT devices on a network, detecting vulnerabilities and providing a mitigation for them. It can scan IoT devices over exposed internet for common vulnerabilities such as Unsecure communication, Insufficient authentication and password hygiene, Insecure networks.</a:t>
             </a:r>
-            <a:endParaRPr dirty="0">
-              <a:latin typeface="Lexend"/>
+            <a:endParaRPr sz="1600" dirty="0">
+              <a:latin typeface="+mj-lt"/>
               <a:ea typeface="Lexend"/>
               <a:cs typeface="Lexend"/>
               <a:sym typeface="Lexend"/>
@@ -7510,8 +7541,8 @@
               </a:spcAft>
               <a:buNone/>
             </a:pPr>
-            <a:endParaRPr dirty="0">
-              <a:latin typeface="Lexend"/>
+            <a:endParaRPr sz="1600" dirty="0">
+              <a:latin typeface="+mj-lt"/>
               <a:ea typeface="Lexend"/>
               <a:cs typeface="Lexend"/>
               <a:sym typeface="Lexend"/>
@@ -7528,16 +7559,16 @@
               <a:buNone/>
             </a:pPr>
             <a:r>
-              <a:rPr lang="en" dirty="0">
-                <a:latin typeface="Lexend"/>
+              <a:rPr lang="en" sz="1600" dirty="0">
+                <a:latin typeface="+mj-lt"/>
                 <a:ea typeface="Lexend"/>
                 <a:cs typeface="Lexend"/>
                 <a:sym typeface="Lexend"/>
               </a:rPr>
               <a:t>In addition, IoTArM0r can enumerate open ports, discover devices over local network, get server information, and detect device misconfigurations and exposed credentials. It also offers Docker support and integrated with internet surface.</a:t>
             </a:r>
-            <a:endParaRPr dirty="0">
-              <a:latin typeface="Lexend"/>
+            <a:endParaRPr sz="1600" dirty="0">
+              <a:latin typeface="+mj-lt"/>
               <a:ea typeface="Lexend"/>
               <a:cs typeface="Lexend"/>
               <a:sym typeface="Lexend"/>
@@ -7553,8 +7584,8 @@
               </a:spcAft>
               <a:buNone/>
             </a:pPr>
-            <a:endParaRPr dirty="0">
-              <a:latin typeface="Lexend"/>
+            <a:endParaRPr sz="1600" dirty="0">
+              <a:latin typeface="+mj-lt"/>
               <a:ea typeface="Lexend"/>
               <a:cs typeface="Lexend"/>
               <a:sym typeface="Lexend"/>
@@ -7571,16 +7602,16 @@
               <a:buNone/>
             </a:pPr>
             <a:r>
-              <a:rPr lang="en" dirty="0">
-                <a:latin typeface="Lexend"/>
+              <a:rPr lang="en" sz="1600" dirty="0">
+                <a:latin typeface="+mj-lt"/>
                 <a:ea typeface="Lexend"/>
                 <a:cs typeface="Lexend"/>
                 <a:sym typeface="Lexend"/>
               </a:rPr>
               <a:t>IoTArM0r generates a detailed scan report after execution, allowing users to view and analyze the results and take appropriate action to mitigate any vulnerabilities detected.</a:t>
             </a:r>
-            <a:endParaRPr dirty="0">
-              <a:latin typeface="Lexend"/>
+            <a:endParaRPr sz="1600" dirty="0">
+              <a:latin typeface="+mj-lt"/>
               <a:ea typeface="Lexend"/>
               <a:cs typeface="Lexend"/>
               <a:sym typeface="Lexend"/>
@@ -7596,8 +7627,8 @@
               </a:spcAft>
               <a:buNone/>
             </a:pPr>
-            <a:endParaRPr dirty="0">
-              <a:latin typeface="Lexend"/>
+            <a:endParaRPr sz="1600" dirty="0">
+              <a:latin typeface="+mj-lt"/>
               <a:ea typeface="Lexend"/>
               <a:cs typeface="Lexend"/>
               <a:sym typeface="Lexend"/>
@@ -7614,16 +7645,16 @@
               <a:buNone/>
             </a:pPr>
             <a:r>
-              <a:rPr lang="en" dirty="0">
-                <a:latin typeface="Lexend"/>
+              <a:rPr lang="en" sz="1600" dirty="0">
+                <a:latin typeface="+mj-lt"/>
                 <a:ea typeface="Lexend"/>
                 <a:cs typeface="Lexend"/>
                 <a:sym typeface="Lexend"/>
               </a:rPr>
               <a:t>With IoTArM0r, you can easily secure your online presence of IoT devices and protect your organization from cyber threats.</a:t>
             </a:r>
-            <a:endParaRPr dirty="0">
-              <a:latin typeface="Lexend"/>
+            <a:endParaRPr sz="1600" dirty="0">
+              <a:latin typeface="+mj-lt"/>
               <a:ea typeface="Lexend"/>
               <a:cs typeface="Lexend"/>
               <a:sym typeface="Lexend"/>
@@ -7639,8 +7670,8 @@
               </a:spcAft>
               <a:buNone/>
             </a:pPr>
-            <a:endParaRPr dirty="0">
-              <a:latin typeface="Lexend"/>
+            <a:endParaRPr sz="1600" dirty="0">
+              <a:latin typeface="+mj-lt"/>
               <a:ea typeface="Lexend"/>
               <a:cs typeface="Lexend"/>
               <a:sym typeface="Lexend"/>
@@ -7657,16 +7688,16 @@
               <a:buNone/>
             </a:pPr>
             <a:r>
-              <a:rPr lang="en" dirty="0">
-                <a:latin typeface="Lexend"/>
+              <a:rPr lang="en" sz="1600" dirty="0">
+                <a:latin typeface="+mj-lt"/>
                 <a:ea typeface="Lexend"/>
                 <a:cs typeface="Lexend"/>
                 <a:sym typeface="Lexend"/>
               </a:rPr>
               <a:t>Tech Stack used : Python, Docker</a:t>
             </a:r>
-            <a:endParaRPr dirty="0">
-              <a:latin typeface="Lexend"/>
+            <a:endParaRPr sz="1600" dirty="0">
+              <a:latin typeface="+mj-lt"/>
               <a:ea typeface="Lexend"/>
               <a:cs typeface="Lexend"/>
               <a:sym typeface="Lexend"/>
@@ -7788,7 +7819,7 @@
         <p:spPr>
           <a:xfrm>
             <a:off x="173700" y="1412050"/>
-            <a:ext cx="7944900" cy="1692741"/>
+            <a:ext cx="7944900" cy="1908184"/>
           </a:xfrm>
           <a:prstGeom prst="rect">
             <a:avLst/>
@@ -7808,11 +7839,11 @@
               <a:buNone/>
             </a:pPr>
             <a:r>
-              <a:rPr lang="en-US" sz="1400" dirty="0">
+              <a:rPr lang="en-US" sz="1600" dirty="0">
                 <a:solidFill>
                   <a:srgbClr val="000000"/>
                 </a:solidFill>
-                <a:latin typeface="Lexend"/>
+                <a:latin typeface="+mj-lt"/>
                 <a:sym typeface="Arial"/>
               </a:rPr>
               <a:t>The security issues that are becoming an increasing problem as the use of IoT devices grows at a never-before-seen pace. As more people rely on IoT devices for essential tasks like turning on lights in their homes and running industrial machinery, it is imperative that their security is not compromised.</a:t>
@@ -7822,11 +7853,11 @@
             <a:pPr marL="146050" indent="0">
               <a:buNone/>
             </a:pPr>
-            <a:endParaRPr lang="en-US" sz="1400" dirty="0">
+            <a:endParaRPr lang="en-US" sz="1600" dirty="0">
               <a:solidFill>
                 <a:srgbClr val="000000"/>
               </a:solidFill>
-              <a:latin typeface="Lexend"/>
+              <a:latin typeface="+mj-lt"/>
               <a:sym typeface="Arial"/>
             </a:endParaRPr>
           </a:p>
@@ -7835,11 +7866,11 @@
               <a:buNone/>
             </a:pPr>
             <a:r>
-              <a:rPr lang="en-US" sz="1400" dirty="0">
+              <a:rPr lang="en-US" sz="1600" dirty="0">
                 <a:solidFill>
                   <a:srgbClr val="000000"/>
                 </a:solidFill>
-                <a:latin typeface="Lexend"/>
+                <a:latin typeface="+mj-lt"/>
                 <a:sym typeface="Arial"/>
               </a:rPr>
               <a:t>The idea for this project was inspired by the critical need to create a tool that accurately pinpoints flaws in IoT devices and provides usable mitigation techniques.</a:t>
@@ -8368,7 +8399,7 @@
             </a:r>
             <a:r>
               <a:rPr lang="en-US" sz="1600" dirty="0"/>
-              <a:t>https://github.com/nagavenkatallu/IoTArM0r/tree/main</a:t>
+              <a:t>https://github.com/nagavenkatallu/IoTArM0r</a:t>
             </a:r>
             <a:endParaRPr lang="en" sz="1600" dirty="0"/>
           </a:p>
@@ -8454,8 +8485,8 @@
         </p:nvSpPr>
         <p:spPr>
           <a:xfrm>
-            <a:off x="87450" y="1584275"/>
-            <a:ext cx="8969100" cy="2985402"/>
+            <a:off x="87450" y="1316710"/>
+            <a:ext cx="8969100" cy="3847177"/>
           </a:xfrm>
           <a:prstGeom prst="rect">
             <a:avLst/>
@@ -8567,6 +8598,33 @@
             <a:r>
               <a:rPr lang="en-US" dirty="0"/>
               <a:t>The main goal of this paper was to provide an explicit survey of the most important aspects of IoT with particular focus on the vision and security challenges involved in the Internet of Things.</a:t>
+            </a:r>
+          </a:p>
+          <a:p>
+            <a:pPr marL="285750" lvl="0" indent="-285750" algn="l" rtl="0">
+              <a:spcBef>
+                <a:spcPts val="0"/>
+              </a:spcBef>
+              <a:spcAft>
+                <a:spcPts val="0"/>
+              </a:spcAft>
+              <a:buFont typeface="Arial" panose="020B0604020202020204" pitchFamily="34" charset="0"/>
+              <a:buChar char="•"/>
+            </a:pPr>
+            <a:endParaRPr lang="en-US" dirty="0"/>
+          </a:p>
+          <a:p>
+            <a:pPr lvl="0" algn="l" rtl="0">
+              <a:spcBef>
+                <a:spcPts val="0"/>
+              </a:spcBef>
+              <a:spcAft>
+                <a:spcPts val="0"/>
+              </a:spcAft>
+            </a:pPr>
+            <a:r>
+              <a:rPr lang="en-US" dirty="0"/>
+              <a:t>Based on these papers the identification and resolving the security challenges in IOT devices is very vital. So, we are designing a tool which launches various scans on the IOT devices and try to exploit the vulnerabilities and provide us a report which may be used to provide mitigations to the end user of the device. </a:t>
             </a:r>
           </a:p>
         </p:txBody>

--- a/IoTArM0r.pptx
+++ b/IoTArM0r.pptx
@@ -6851,11 +6851,7 @@
             <a:pPr lvl="1" algn="r"/>
             <a:r>
               <a:rPr lang="en-US" dirty="0"/>
-              <a:t>Naga </a:t>
-            </a:r>
-            <a:r>
-              <a:rPr lang="en-US"/>
-              <a:t>Venkat Allu(U00878572)</a:t>
+              <a:t>Naga Venkat Allu(U00878572)</a:t>
             </a:r>
             <a:endParaRPr dirty="0"/>
           </a:p>
@@ -8486,7 +8482,7 @@
         <p:spPr>
           <a:xfrm>
             <a:off x="87450" y="1316710"/>
-            <a:ext cx="8969100" cy="3847177"/>
+            <a:ext cx="8969100" cy="3877954"/>
           </a:xfrm>
           <a:prstGeom prst="rect">
             <a:avLst/>
@@ -8511,20 +8507,9 @@
               </a:spcAft>
             </a:pPr>
             <a:r>
-              <a:rPr lang="en-US" dirty="0"/>
+              <a:rPr lang="en-US" sz="1500" dirty="0"/>
               <a:t>1)Mirza Abdur Razzaq, Sajid Habib Gill, Muhammad Ali Qureshi, and Saleem Ullah. Security Issues in the Internet of Things (IoT): A Comprehensive Study. International Journal of Advanced Computer Science and Applications (IJACSA), Vol. 8, No. 6, pp. 383-388, 2017.</a:t>
             </a:r>
-          </a:p>
-          <a:p>
-            <a:pPr lvl="0" algn="l" rtl="0">
-              <a:spcBef>
-                <a:spcPts val="0"/>
-              </a:spcBef>
-              <a:spcAft>
-                <a:spcPts val="0"/>
-              </a:spcAft>
-            </a:pPr>
-            <a:endParaRPr lang="en-US" dirty="0"/>
           </a:p>
           <a:p>
             <a:pPr marL="285750" indent="-285750">
@@ -8532,7 +8517,7 @@
               <a:buChar char="•"/>
             </a:pPr>
             <a:r>
-              <a:rPr lang="en-US" dirty="0"/>
+              <a:rPr lang="en-US" sz="1500" dirty="0"/>
               <a:t>The main emphasis of this paper was to highlight major security issues of IoT particularly, focusing the security attacks and their countermeasures.</a:t>
             </a:r>
           </a:p>
@@ -8541,7 +8526,7 @@
               <a:buFont typeface="Arial" panose="020B0604020202020204" pitchFamily="34" charset="0"/>
               <a:buChar char="•"/>
             </a:pPr>
-            <a:endParaRPr lang="en-US" dirty="0"/>
+            <a:endParaRPr lang="en-US" sz="1500" dirty="0"/>
           </a:p>
           <a:p>
             <a:pPr lvl="0" algn="l" rtl="0">
@@ -8553,36 +8538,25 @@
               </a:spcAft>
             </a:pPr>
             <a:r>
-              <a:rPr lang="en-US" dirty="0"/>
+              <a:rPr lang="en-US" sz="1500" dirty="0"/>
               <a:t>2)M. </a:t>
             </a:r>
             <a:r>
-              <a:rPr lang="en-US" dirty="0" err="1"/>
+              <a:rPr lang="en-US" sz="1500" dirty="0" err="1"/>
               <a:t>Abomhara</a:t>
             </a:r>
             <a:r>
-              <a:rPr lang="en-US" dirty="0"/>
+              <a:rPr lang="en-US" sz="1500" dirty="0"/>
               <a:t> and G. M. </a:t>
             </a:r>
             <a:r>
-              <a:rPr lang="en-US" dirty="0" err="1"/>
+              <a:rPr lang="en-US" sz="1500" dirty="0" err="1"/>
               <a:t>Køien</a:t>
             </a:r>
             <a:r>
-              <a:rPr lang="en-US" dirty="0"/>
-              <a:t>, “Security and privacy in the internet of things: Current status and open issues,” in Privacy and Security in Mobile Systems (PRISMS), International Conference on. IEEE, 2014, pp. 1–8.</a:t>
+              <a:rPr lang="en-US" sz="1500" dirty="0"/>
+              <a:t>, “Security and privacy in the internet of things: Current status and open issues,” in Privacy and Security in Mobile Systems (PRISMS), International Conference on. IEEE, 2014, pp.1–8.</a:t>
             </a:r>
-          </a:p>
-          <a:p>
-            <a:pPr lvl="0" algn="l" rtl="0">
-              <a:spcBef>
-                <a:spcPts val="0"/>
-              </a:spcBef>
-              <a:spcAft>
-                <a:spcPts val="0"/>
-              </a:spcAft>
-            </a:pPr>
-            <a:endParaRPr lang="en-US" dirty="0"/>
           </a:p>
           <a:p>
             <a:pPr marL="285750" lvl="0" indent="-285750" algn="l" rtl="0">
@@ -8596,7 +8570,7 @@
               <a:buChar char="•"/>
             </a:pPr>
             <a:r>
-              <a:rPr lang="en-US" dirty="0"/>
+              <a:rPr lang="en-US" sz="1500" dirty="0"/>
               <a:t>The main goal of this paper was to provide an explicit survey of the most important aspects of IoT with particular focus on the vision and security challenges involved in the Internet of Things.</a:t>
             </a:r>
           </a:p>
@@ -8611,7 +8585,7 @@
               <a:buFont typeface="Arial" panose="020B0604020202020204" pitchFamily="34" charset="0"/>
               <a:buChar char="•"/>
             </a:pPr>
-            <a:endParaRPr lang="en-US" dirty="0"/>
+            <a:endParaRPr lang="en-US" sz="1500" dirty="0"/>
           </a:p>
           <a:p>
             <a:pPr lvl="0" algn="l" rtl="0">
@@ -8623,7 +8597,7 @@
               </a:spcAft>
             </a:pPr>
             <a:r>
-              <a:rPr lang="en-US" dirty="0"/>
+              <a:rPr lang="en-US" sz="1500" dirty="0"/>
               <a:t>Based on these papers the identification and resolving the security challenges in IOT devices is very vital. So, we are designing a tool which launches various scans on the IOT devices and try to exploit the vulnerabilities and provide us a report which may be used to provide mitigations to the end user of the device. </a:t>
             </a:r>
           </a:p>

--- a/IoTArM0r.pptx
+++ b/IoTArM0r.pptx
@@ -7485,8 +7485,8 @@
         </p:nvSpPr>
         <p:spPr>
           <a:xfrm>
-            <a:off x="173700" y="1289586"/>
-            <a:ext cx="7944900" cy="4370397"/>
+            <a:off x="173700" y="1216108"/>
+            <a:ext cx="7944900" cy="3877954"/>
           </a:xfrm>
           <a:prstGeom prst="rect">
             <a:avLst/>
@@ -7512,7 +7512,7 @@
               <a:buNone/>
             </a:pPr>
             <a:r>
-              <a:rPr lang="en" sz="1600" dirty="0">
+              <a:rPr lang="en" sz="1500" dirty="0">
                 <a:latin typeface="+mj-lt"/>
                 <a:ea typeface="Lexend"/>
                 <a:cs typeface="Lexend"/>
@@ -7520,7 +7520,7 @@
               </a:rPr>
               <a:t>IoTArM0r is a powerful tool designed to automate the detection of IOT devices on a network, detecting vulnerabilities and providing a mitigation for them. It can scan IoT devices over exposed internet for common vulnerabilities such as Unsecure communication, Insufficient authentication and password hygiene, Insecure networks.</a:t>
             </a:r>
-            <a:endParaRPr sz="1600" dirty="0">
+            <a:endParaRPr sz="1500" dirty="0">
               <a:latin typeface="+mj-lt"/>
               <a:ea typeface="Lexend"/>
               <a:cs typeface="Lexend"/>
@@ -7537,7 +7537,7 @@
               </a:spcAft>
               <a:buNone/>
             </a:pPr>
-            <a:endParaRPr sz="1600" dirty="0">
+            <a:endParaRPr sz="1500" dirty="0">
               <a:latin typeface="+mj-lt"/>
               <a:ea typeface="Lexend"/>
               <a:cs typeface="Lexend"/>
@@ -7555,7 +7555,7 @@
               <a:buNone/>
             </a:pPr>
             <a:r>
-              <a:rPr lang="en" sz="1600" dirty="0">
+              <a:rPr lang="en" sz="1500" dirty="0">
                 <a:latin typeface="+mj-lt"/>
                 <a:ea typeface="Lexend"/>
                 <a:cs typeface="Lexend"/>
@@ -7563,7 +7563,7 @@
               </a:rPr>
               <a:t>In addition, IoTArM0r can enumerate open ports, discover devices over local network, get server information, and detect device misconfigurations and exposed credentials. It also offers Docker support and integrated with internet surface.</a:t>
             </a:r>
-            <a:endParaRPr sz="1600" dirty="0">
+            <a:endParaRPr sz="1500" dirty="0">
               <a:latin typeface="+mj-lt"/>
               <a:ea typeface="Lexend"/>
               <a:cs typeface="Lexend"/>
@@ -7580,7 +7580,7 @@
               </a:spcAft>
               <a:buNone/>
             </a:pPr>
-            <a:endParaRPr sz="1600" dirty="0">
+            <a:endParaRPr sz="1500" dirty="0">
               <a:latin typeface="+mj-lt"/>
               <a:ea typeface="Lexend"/>
               <a:cs typeface="Lexend"/>
@@ -7598,7 +7598,7 @@
               <a:buNone/>
             </a:pPr>
             <a:r>
-              <a:rPr lang="en" sz="1600" dirty="0">
+              <a:rPr lang="en" sz="1500" dirty="0">
                 <a:latin typeface="+mj-lt"/>
                 <a:ea typeface="Lexend"/>
                 <a:cs typeface="Lexend"/>
@@ -7606,7 +7606,7 @@
               </a:rPr>
               <a:t>IoTArM0r generates a detailed scan report after execution, allowing users to view and analyze the results and take appropriate action to mitigate any vulnerabilities detected.</a:t>
             </a:r>
-            <a:endParaRPr sz="1600" dirty="0">
+            <a:endParaRPr sz="1500" dirty="0">
               <a:latin typeface="+mj-lt"/>
               <a:ea typeface="Lexend"/>
               <a:cs typeface="Lexend"/>
@@ -7623,7 +7623,7 @@
               </a:spcAft>
               <a:buNone/>
             </a:pPr>
-            <a:endParaRPr sz="1600" dirty="0">
+            <a:endParaRPr sz="1500" dirty="0">
               <a:latin typeface="+mj-lt"/>
               <a:ea typeface="Lexend"/>
               <a:cs typeface="Lexend"/>
@@ -7641,7 +7641,7 @@
               <a:buNone/>
             </a:pPr>
             <a:r>
-              <a:rPr lang="en" sz="1600" dirty="0">
+              <a:rPr lang="en" sz="1500" dirty="0">
                 <a:latin typeface="+mj-lt"/>
                 <a:ea typeface="Lexend"/>
                 <a:cs typeface="Lexend"/>
@@ -7649,7 +7649,7 @@
               </a:rPr>
               <a:t>With IoTArM0r, you can easily secure your online presence of IoT devices and protect your organization from cyber threats.</a:t>
             </a:r>
-            <a:endParaRPr sz="1600" dirty="0">
+            <a:endParaRPr sz="1500" dirty="0">
               <a:latin typeface="+mj-lt"/>
               <a:ea typeface="Lexend"/>
               <a:cs typeface="Lexend"/>
@@ -7666,7 +7666,7 @@
               </a:spcAft>
               <a:buNone/>
             </a:pPr>
-            <a:endParaRPr sz="1600" dirty="0">
+            <a:endParaRPr sz="1500" dirty="0">
               <a:latin typeface="+mj-lt"/>
               <a:ea typeface="Lexend"/>
               <a:cs typeface="Lexend"/>
@@ -7684,15 +7684,15 @@
               <a:buNone/>
             </a:pPr>
             <a:r>
-              <a:rPr lang="en" sz="1600" dirty="0">
+              <a:rPr lang="en" sz="1500" dirty="0">
                 <a:latin typeface="+mj-lt"/>
                 <a:ea typeface="Lexend"/>
                 <a:cs typeface="Lexend"/>
                 <a:sym typeface="Lexend"/>
               </a:rPr>
-              <a:t>Tech Stack used : Python, Docker</a:t>
+              <a:t>Tech Stack used : Python</a:t>
             </a:r>
-            <a:endParaRPr sz="1600" dirty="0">
+            <a:endParaRPr sz="1500" dirty="0">
               <a:latin typeface="+mj-lt"/>
               <a:ea typeface="Lexend"/>
               <a:cs typeface="Lexend"/>
